--- a/Präsentation.pptx
+++ b/Präsentation.pptx
@@ -146,7 +146,7 @@
   </p:defaultTextStyle>
   <p:extLst>
     <p:ext uri="{EFAFB233-063F-42B5-8137-9DF3F51BA10A}">
-      <p15:sldGuideLst xmlns="" xmlns:p15="http://schemas.microsoft.com/office/powerpoint/2012/main">
+      <p15:sldGuideLst xmlns:p15="http://schemas.microsoft.com/office/powerpoint/2012/main">
         <p15:guide id="1" orient="horz" pos="4133">
           <p15:clr>
             <a:srgbClr val="A4A3A4"/>
@@ -426,7 +426,7 @@
               <a:pPr>
                 <a:defRPr/>
               </a:pPr>
-              <a:t>‹#›</a:t>
+              <a:t>‹Nr.›</a:t>
             </a:fld>
             <a:endParaRPr lang="de-DE"/>
           </a:p>
@@ -761,7 +761,7 @@
               <a:pPr>
                 <a:defRPr/>
               </a:pPr>
-              <a:t>‹#›</a:t>
+              <a:t>‹Nr.›</a:t>
             </a:fld>
             <a:endParaRPr lang="de-DE"/>
           </a:p>
@@ -1098,11 +1098,11 @@
   <p:clrMapOvr>
     <a:masterClrMapping/>
   </p:clrMapOvr>
-  <p:transition xmlns:p14="http://schemas.microsoft.com/office/powerpoint/2010/main"/>
+  <p:transition/>
   <p:timing>
     <p:tnLst>
       <p:par>
-        <p:cTn xmlns:p14="http://schemas.microsoft.com/office/powerpoint/2010/main" id="1" dur="indefinite" restart="never" nodeType="tmRoot"/>
+        <p:cTn id="1" dur="indefinite" restart="never" nodeType="tmRoot"/>
       </p:par>
     </p:tnLst>
   </p:timing>
@@ -1270,7 +1270,7 @@
               <a:pPr>
                 <a:defRPr/>
               </a:pPr>
-              <a:t>‹#›</a:t>
+              <a:t>‹Nr.›</a:t>
             </a:fld>
             <a:endParaRPr lang="de-DE"/>
           </a:p>
@@ -1281,11 +1281,11 @@
   <p:clrMapOvr>
     <a:masterClrMapping/>
   </p:clrMapOvr>
-  <p:transition xmlns:p14="http://schemas.microsoft.com/office/powerpoint/2010/main"/>
+  <p:transition/>
   <p:timing>
     <p:tnLst>
       <p:par>
-        <p:cTn xmlns:p14="http://schemas.microsoft.com/office/powerpoint/2010/main" id="1" dur="indefinite" restart="never" nodeType="tmRoot"/>
+        <p:cTn id="1" dur="indefinite" restart="never" nodeType="tmRoot"/>
       </p:par>
     </p:tnLst>
   </p:timing>
@@ -1378,7 +1378,7 @@
               <a:pPr>
                 <a:defRPr/>
               </a:pPr>
-              <a:t>‹#›</a:t>
+              <a:t>‹Nr.›</a:t>
             </a:fld>
             <a:endParaRPr lang="de-DE"/>
           </a:p>
@@ -1389,11 +1389,11 @@
   <p:clrMapOvr>
     <a:masterClrMapping/>
   </p:clrMapOvr>
-  <p:transition xmlns:p14="http://schemas.microsoft.com/office/powerpoint/2010/main"/>
+  <p:transition/>
   <p:timing>
     <p:tnLst>
       <p:par>
-        <p:cTn xmlns:p14="http://schemas.microsoft.com/office/powerpoint/2010/main" id="1" dur="indefinite" restart="never" nodeType="tmRoot"/>
+        <p:cTn id="1" dur="indefinite" restart="never" nodeType="tmRoot"/>
       </p:par>
     </p:tnLst>
   </p:timing>
@@ -1728,7 +1728,7 @@
               <a:pPr>
                 <a:defRPr/>
               </a:pPr>
-              <a:t>‹#›</a:t>
+              <a:t>‹Nr.›</a:t>
             </a:fld>
             <a:endParaRPr lang="de-DE"/>
           </a:p>
@@ -1812,11 +1812,11 @@
     <p:sldLayoutId id="2147483661" r:id="rId2"/>
     <p:sldLayoutId id="2147483662" r:id="rId3"/>
   </p:sldLayoutIdLst>
-  <p:transition xmlns:p14="http://schemas.microsoft.com/office/powerpoint/2010/main"/>
+  <p:transition/>
   <p:timing>
     <p:tnLst>
       <p:par>
-        <p:cTn xmlns:p14="http://schemas.microsoft.com/office/powerpoint/2010/main" id="1" dur="indefinite" restart="never" nodeType="tmRoot"/>
+        <p:cTn id="1" dur="indefinite" restart="never" nodeType="tmRoot"/>
       </p:par>
     </p:tnLst>
   </p:timing>
@@ -2292,7 +2292,6 @@
               <a:rPr lang="de-DE" dirty="0" smtClean="0"/>
               <a:t>Dokumentenanalyse</a:t>
             </a:r>
-            <a:endParaRPr lang="de-DE" dirty="0" smtClean="0"/>
           </a:p>
         </p:txBody>
       </p:sp>
@@ -2324,14 +2323,12 @@
               <a:rPr lang="de-DE" dirty="0" smtClean="0"/>
               <a:t>Patrick Werber, Manuel Lang, Dorothea Stahl</a:t>
             </a:r>
-            <a:endParaRPr lang="de-DE" dirty="0" smtClean="0"/>
           </a:p>
           <a:p>
             <a:r>
               <a:rPr lang="de-DE" dirty="0" smtClean="0"/>
               <a:t>IB, 08.01.2016</a:t>
             </a:r>
-            <a:endParaRPr lang="de-DE" dirty="0" smtClean="0"/>
           </a:p>
         </p:txBody>
       </p:sp>
@@ -2387,11 +2384,11 @@
   <p:clrMapOvr>
     <a:masterClrMapping/>
   </p:clrMapOvr>
-  <p:transition xmlns:p14="http://schemas.microsoft.com/office/powerpoint/2010/main"/>
+  <p:transition/>
   <p:timing>
     <p:tnLst>
       <p:par>
-        <p:cTn xmlns:p14="http://schemas.microsoft.com/office/powerpoint/2010/main" id="1" dur="indefinite" restart="never" nodeType="tmRoot"/>
+        <p:cTn id="1" dur="indefinite" restart="never" nodeType="tmRoot"/>
       </p:par>
     </p:tnLst>
   </p:timing>
@@ -2463,52 +2460,26 @@
           <a:p>
             <a:r>
               <a:rPr lang="de-DE" dirty="0" smtClean="0"/>
-              <a:t>1</a:t>
-            </a:r>
+              <a:t>1. Technologien</a:t>
+            </a:r>
+          </a:p>
+          <a:p>
+            <a:endParaRPr lang="de-DE" dirty="0" smtClean="0"/>
+          </a:p>
+          <a:p>
             <a:r>
               <a:rPr lang="de-DE" dirty="0" smtClean="0"/>
-              <a:t>. </a:t>
-            </a:r>
+              <a:t>2. Live Demo</a:t>
+            </a:r>
+          </a:p>
+          <a:p>
+            <a:endParaRPr lang="de-DE" dirty="0" smtClean="0"/>
+          </a:p>
+          <a:p>
             <a:r>
               <a:rPr lang="de-DE" dirty="0" smtClean="0"/>
-              <a:t>Technologien</a:t>
-            </a:r>
-          </a:p>
-          <a:p>
-            <a:endParaRPr lang="de-DE" dirty="0" smtClean="0"/>
-          </a:p>
-          <a:p>
-            <a:r>
-              <a:rPr lang="de-DE" dirty="0" smtClean="0"/>
-              <a:t>2</a:t>
-            </a:r>
-            <a:r>
-              <a:rPr lang="de-DE" dirty="0" smtClean="0"/>
-              <a:t>. </a:t>
-            </a:r>
-            <a:r>
-              <a:rPr lang="de-DE" dirty="0" smtClean="0"/>
-              <a:t>Live Demo</a:t>
-            </a:r>
-            <a:endParaRPr lang="de-DE" dirty="0" smtClean="0"/>
-          </a:p>
-          <a:p>
-            <a:endParaRPr lang="de-DE" dirty="0" smtClean="0"/>
-          </a:p>
-          <a:p>
-            <a:r>
-              <a:rPr lang="de-DE" dirty="0" smtClean="0"/>
-              <a:t>3</a:t>
-            </a:r>
-            <a:r>
-              <a:rPr lang="de-DE" dirty="0" smtClean="0"/>
-              <a:t>. </a:t>
-            </a:r>
-            <a:r>
-              <a:rPr lang="de-DE" dirty="0" smtClean="0"/>
-              <a:t>Probleme</a:t>
-            </a:r>
-            <a:endParaRPr lang="de-DE" dirty="0" smtClean="0"/>
+              <a:t>3. Probleme</a:t>
+            </a:r>
           </a:p>
         </p:txBody>
       </p:sp>
@@ -2592,11 +2563,11 @@
   <p:clrMapOvr>
     <a:masterClrMapping/>
   </p:clrMapOvr>
-  <p:transition xmlns:p14="http://schemas.microsoft.com/office/powerpoint/2010/main"/>
+  <p:transition/>
   <p:timing>
     <p:tnLst>
       <p:par>
-        <p:cTn xmlns:p14="http://schemas.microsoft.com/office/powerpoint/2010/main" id="1" dur="indefinite" restart="never" nodeType="tmRoot"/>
+        <p:cTn id="1" dur="indefinite" restart="never" nodeType="tmRoot"/>
       </p:par>
     </p:tnLst>
   </p:timing>
@@ -2715,11 +2686,7 @@
             </a:pPr>
             <a:r>
               <a:rPr lang="en-US" dirty="0" err="1" smtClean="0"/>
-              <a:t>T</a:t>
-            </a:r>
-            <a:r>
-              <a:rPr lang="en-US" dirty="0" err="1" smtClean="0"/>
-              <a:t>extract</a:t>
+              <a:t>Textract</a:t>
             </a:r>
             <a:endParaRPr lang="en-US" dirty="0" smtClean="0"/>
           </a:p>
@@ -2795,9 +2762,19 @@
             </a:pPr>
             <a:r>
               <a:rPr lang="es-ES_tradnl" strike="sngStrike" dirty="0" err="1" smtClean="0"/>
-              <a:t>Handlerbars</a:t>
-            </a:r>
-            <a:endParaRPr lang="en-US" strike="sngStrike" dirty="0" smtClean="0"/>
+              <a:t>Handlebars</a:t>
+            </a:r>
+            <a:endParaRPr lang="es-ES_tradnl" smtClean="0"/>
+          </a:p>
+          <a:p>
+            <a:pPr marL="342900" indent="-342900">
+              <a:buAutoNum type="arabicPeriod"/>
+            </a:pPr>
+            <a:r>
+              <a:rPr lang="es-ES_tradnl" smtClean="0"/>
+              <a:t>Jade</a:t>
+            </a:r>
+            <a:endParaRPr lang="es-ES_tradnl" dirty="0" smtClean="0"/>
           </a:p>
         </p:txBody>
       </p:sp>
@@ -2877,11 +2854,11 @@
   <p:clrMapOvr>
     <a:masterClrMapping/>
   </p:clrMapOvr>
-  <p:transition xmlns:p14="http://schemas.microsoft.com/office/powerpoint/2010/main"/>
+  <p:transition/>
   <p:timing>
     <p:tnLst>
       <p:par>
-        <p:cTn xmlns:p14="http://schemas.microsoft.com/office/powerpoint/2010/main" id="1" dur="indefinite" restart="never" nodeType="tmRoot"/>
+        <p:cTn id="1" dur="indefinite" restart="never" nodeType="tmRoot"/>
       </p:par>
     </p:tnLst>
   </p:timing>
@@ -3064,11 +3041,11 @@
   <p:clrMapOvr>
     <a:masterClrMapping/>
   </p:clrMapOvr>
-  <p:transition xmlns:p14="http://schemas.microsoft.com/office/powerpoint/2010/main"/>
+  <p:transition/>
   <p:timing>
     <p:tnLst>
       <p:par>
-        <p:cTn xmlns:p14="http://schemas.microsoft.com/office/powerpoint/2010/main" id="1" dur="indefinite" restart="never" nodeType="tmRoot"/>
+        <p:cTn id="1" dur="indefinite" restart="never" nodeType="tmRoot"/>
       </p:par>
     </p:tnLst>
   </p:timing>
@@ -3334,11 +3311,11 @@
   <p:clrMapOvr>
     <a:masterClrMapping/>
   </p:clrMapOvr>
-  <p:transition xmlns:p14="http://schemas.microsoft.com/office/powerpoint/2010/main"/>
+  <p:transition/>
   <p:timing>
     <p:tnLst>
       <p:par>
-        <p:cTn xmlns:p14="http://schemas.microsoft.com/office/powerpoint/2010/main" id="1" dur="indefinite" restart="never" nodeType="tmRoot"/>
+        <p:cTn id="1" dur="indefinite" restart="never" nodeType="tmRoot"/>
       </p:par>
     </p:tnLst>
   </p:timing>

--- a/Präsentation.pptx
+++ b/Präsentation.pptx
@@ -5,10 +5,10 @@
     <p:sldMasterId id="2147483649" r:id="rId1"/>
   </p:sldMasterIdLst>
   <p:notesMasterIdLst>
-    <p:notesMasterId r:id="rId7"/>
+    <p:notesMasterId r:id="rId8"/>
   </p:notesMasterIdLst>
   <p:handoutMasterIdLst>
-    <p:handoutMasterId r:id="rId8"/>
+    <p:handoutMasterId r:id="rId9"/>
   </p:handoutMasterIdLst>
   <p:sldIdLst>
     <p:sldId id="328" r:id="rId2"/>
@@ -16,6 +16,7 @@
     <p:sldId id="331" r:id="rId4"/>
     <p:sldId id="334" r:id="rId5"/>
     <p:sldId id="333" r:id="rId6"/>
+    <p:sldId id="335" r:id="rId7"/>
   </p:sldIdLst>
   <p:sldSz cx="9144000" cy="6858000" type="screen4x3"/>
   <p:notesSz cx="6858000" cy="9144000"/>
@@ -898,6 +899,96 @@
     </a:lvl9pPr>
   </p:notesStyle>
 </p:notesMaster>
+</file>
+
+<file path=ppt/notesSlides/notesSlide1.xml><?xml version="1.0" encoding="utf-8"?>
+<p:notes xmlns:a="http://schemas.openxmlformats.org/drawingml/2006/main" xmlns:r="http://schemas.openxmlformats.org/officeDocument/2006/relationships" xmlns:p="http://schemas.openxmlformats.org/presentationml/2006/main">
+  <p:cSld>
+    <p:spTree>
+      <p:nvGrpSpPr>
+        <p:cNvPr id="1" name=""/>
+        <p:cNvGrpSpPr/>
+        <p:nvPr/>
+      </p:nvGrpSpPr>
+      <p:grpSpPr>
+        <a:xfrm>
+          <a:off x="0" y="0"/>
+          <a:ext cx="0" cy="0"/>
+          <a:chOff x="0" y="0"/>
+          <a:chExt cx="0" cy="0"/>
+        </a:xfrm>
+      </p:grpSpPr>
+      <p:sp>
+        <p:nvSpPr>
+          <p:cNvPr id="2" name="Folienbildplatzhalter 1"/>
+          <p:cNvSpPr>
+            <a:spLocks noGrp="1" noRot="1" noChangeAspect="1"/>
+          </p:cNvSpPr>
+          <p:nvPr>
+            <p:ph type="sldImg"/>
+          </p:nvPr>
+        </p:nvSpPr>
+        <p:spPr/>
+      </p:sp>
+      <p:sp>
+        <p:nvSpPr>
+          <p:cNvPr id="3" name="Notizenplatzhalter 2"/>
+          <p:cNvSpPr>
+            <a:spLocks noGrp="1"/>
+          </p:cNvSpPr>
+          <p:nvPr>
+            <p:ph type="body" idx="1"/>
+          </p:nvPr>
+        </p:nvSpPr>
+        <p:spPr/>
+        <p:txBody>
+          <a:bodyPr/>
+          <a:lstStyle/>
+          <a:p>
+            <a:endParaRPr lang="de-DE"/>
+          </a:p>
+        </p:txBody>
+      </p:sp>
+      <p:sp>
+        <p:nvSpPr>
+          <p:cNvPr id="4" name="Foliennummernplatzhalter 3"/>
+          <p:cNvSpPr>
+            <a:spLocks noGrp="1"/>
+          </p:cNvSpPr>
+          <p:nvPr>
+            <p:ph type="sldNum" sz="quarter" idx="10"/>
+          </p:nvPr>
+        </p:nvSpPr>
+        <p:spPr/>
+        <p:txBody>
+          <a:bodyPr/>
+          <a:lstStyle/>
+          <a:p>
+            <a:pPr>
+              <a:defRPr/>
+            </a:pPr>
+            <a:fld id="{B18CAF1D-5C34-46F0-BE38-8FACCDEB05E9}" type="slidenum">
+              <a:rPr lang="de-DE" smtClean="0"/>
+              <a:pPr>
+                <a:defRPr/>
+              </a:pPr>
+              <a:t>1</a:t>
+            </a:fld>
+            <a:endParaRPr lang="de-DE"/>
+          </a:p>
+        </p:txBody>
+      </p:sp>
+    </p:spTree>
+    <p:extLst>
+      <p:ext uri="{BB962C8B-B14F-4D97-AF65-F5344CB8AC3E}">
+        <p14:creationId xmlns:p14="http://schemas.microsoft.com/office/powerpoint/2010/main" val="2086725165"/>
+      </p:ext>
+    </p:extLst>
+  </p:cSld>
+  <p:clrMapOvr>
+    <a:masterClrMapping/>
+  </p:clrMapOvr>
+</p:notes>
 </file>
 
 <file path=ppt/slideLayouts/slideLayout1.xml><?xml version="1.0" encoding="utf-8"?>
@@ -2502,24 +2593,12 @@
               <a:defRPr/>
             </a:pPr>
             <a:r>
+              <a:rPr lang="de-DE" dirty="0" err="1" smtClean="0"/>
+              <a:t>NoSQL</a:t>
+            </a:r>
+            <a:r>
               <a:rPr lang="de-DE" dirty="0" smtClean="0"/>
-              <a:t>Hochschule Mannheim University </a:t>
-            </a:r>
-            <a:r>
-              <a:rPr lang="de-DE" dirty="0" err="1" smtClean="0"/>
-              <a:t>of</a:t>
-            </a:r>
-            <a:r>
-              <a:rPr lang="de-DE" dirty="0" smtClean="0"/>
-              <a:t> Applied </a:t>
-            </a:r>
-            <a:r>
-              <a:rPr lang="de-DE" dirty="0" err="1" smtClean="0"/>
-              <a:t>Sciences</a:t>
-            </a:r>
-            <a:r>
-              <a:rPr lang="de-DE" dirty="0" smtClean="0"/>
-              <a:t> </a:t>
+              <a:t> – Team17</a:t>
             </a:r>
             <a:endParaRPr lang="de-DE" dirty="0"/>
           </a:p>
@@ -2764,17 +2843,16 @@
               <a:rPr lang="es-ES_tradnl" strike="sngStrike" dirty="0" err="1" smtClean="0"/>
               <a:t>Handlebars</a:t>
             </a:r>
-            <a:endParaRPr lang="es-ES_tradnl" smtClean="0"/>
+            <a:endParaRPr lang="es-ES_tradnl" dirty="0" smtClean="0"/>
           </a:p>
           <a:p>
             <a:pPr marL="342900" indent="-342900">
               <a:buAutoNum type="arabicPeriod"/>
             </a:pPr>
             <a:r>
-              <a:rPr lang="es-ES_tradnl" smtClean="0"/>
+              <a:rPr lang="es-ES_tradnl" dirty="0" smtClean="0"/>
               <a:t>Jade</a:t>
             </a:r>
-            <a:endParaRPr lang="es-ES_tradnl" dirty="0" smtClean="0"/>
           </a:p>
         </p:txBody>
       </p:sp>
@@ -2797,20 +2875,12 @@
               <a:defRPr/>
             </a:pPr>
             <a:r>
-              <a:rPr lang="de-DE" dirty="0" smtClean="0"/>
-              <a:t>Hochschule Mannheim University </a:t>
-            </a:r>
-            <a:r>
-              <a:rPr lang="de-DE" dirty="0" err="1" smtClean="0"/>
-              <a:t>of</a:t>
-            </a:r>
-            <a:r>
-              <a:rPr lang="de-DE" dirty="0" smtClean="0"/>
-              <a:t> Applied </a:t>
-            </a:r>
-            <a:r>
-              <a:rPr lang="de-DE" dirty="0" err="1" smtClean="0"/>
-              <a:t>Sciences</a:t>
+              <a:rPr lang="de-DE" dirty="0" err="1"/>
+              <a:t>NoSQL</a:t>
+            </a:r>
+            <a:r>
+              <a:rPr lang="de-DE" dirty="0"/>
+              <a:t> – Team17</a:t>
             </a:r>
             <a:endParaRPr lang="de-DE" dirty="0"/>
           </a:p>
@@ -2979,20 +3049,12 @@
               <a:defRPr/>
             </a:pPr>
             <a:r>
-              <a:rPr lang="de-DE" dirty="0" smtClean="0"/>
-              <a:t>Hochschule Mannheim University </a:t>
-            </a:r>
-            <a:r>
-              <a:rPr lang="de-DE" dirty="0" err="1" smtClean="0"/>
-              <a:t>of</a:t>
-            </a:r>
-            <a:r>
-              <a:rPr lang="de-DE" dirty="0" smtClean="0"/>
-              <a:t> Applied </a:t>
-            </a:r>
-            <a:r>
-              <a:rPr lang="de-DE" dirty="0" err="1" smtClean="0"/>
-              <a:t>Sciences</a:t>
+              <a:rPr lang="de-DE" dirty="0" err="1"/>
+              <a:t>NoSQL</a:t>
+            </a:r>
+            <a:r>
+              <a:rPr lang="de-DE" dirty="0"/>
+              <a:t> – Team17</a:t>
             </a:r>
             <a:endParaRPr lang="de-DE" dirty="0"/>
           </a:p>
@@ -3249,20 +3311,12 @@
               <a:defRPr/>
             </a:pPr>
             <a:r>
-              <a:rPr lang="de-DE" dirty="0" smtClean="0"/>
-              <a:t>Hochschule Mannheim University </a:t>
-            </a:r>
-            <a:r>
-              <a:rPr lang="de-DE" dirty="0" err="1" smtClean="0"/>
-              <a:t>of</a:t>
-            </a:r>
-            <a:r>
-              <a:rPr lang="de-DE" dirty="0" smtClean="0"/>
-              <a:t> Applied </a:t>
-            </a:r>
-            <a:r>
-              <a:rPr lang="de-DE" dirty="0" err="1" smtClean="0"/>
-              <a:t>Sciences</a:t>
+              <a:rPr lang="de-DE" dirty="0" err="1"/>
+              <a:t>NoSQL</a:t>
+            </a:r>
+            <a:r>
+              <a:rPr lang="de-DE" dirty="0"/>
+              <a:t> – Team17</a:t>
             </a:r>
             <a:endParaRPr lang="de-DE" dirty="0"/>
           </a:p>
@@ -3305,6 +3359,149 @@
     <p:extLst>
       <p:ext uri="{BB962C8B-B14F-4D97-AF65-F5344CB8AC3E}">
         <p14:creationId xmlns:p14="http://schemas.microsoft.com/office/powerpoint/2010/main" val="2872504103"/>
+      </p:ext>
+    </p:extLst>
+  </p:cSld>
+  <p:clrMapOvr>
+    <a:masterClrMapping/>
+  </p:clrMapOvr>
+  <p:transition/>
+  <p:timing>
+    <p:tnLst>
+      <p:par>
+        <p:cTn id="1" dur="indefinite" restart="never" nodeType="tmRoot"/>
+      </p:par>
+    </p:tnLst>
+  </p:timing>
+</p:sld>
+</file>
+
+<file path=ppt/slides/slide6.xml><?xml version="1.0" encoding="utf-8"?>
+<p:sld xmlns:a="http://schemas.openxmlformats.org/drawingml/2006/main" xmlns:r="http://schemas.openxmlformats.org/officeDocument/2006/relationships" xmlns:p="http://schemas.openxmlformats.org/presentationml/2006/main">
+  <p:cSld>
+    <p:spTree>
+      <p:nvGrpSpPr>
+        <p:cNvPr id="1" name=""/>
+        <p:cNvGrpSpPr/>
+        <p:nvPr/>
+      </p:nvGrpSpPr>
+      <p:grpSpPr>
+        <a:xfrm>
+          <a:off x="0" y="0"/>
+          <a:ext cx="0" cy="0"/>
+          <a:chOff x="0" y="0"/>
+          <a:chExt cx="0" cy="0"/>
+        </a:xfrm>
+      </p:grpSpPr>
+      <p:sp>
+        <p:nvSpPr>
+          <p:cNvPr id="2" name="Titel 1"/>
+          <p:cNvSpPr>
+            <a:spLocks noGrp="1"/>
+          </p:cNvSpPr>
+          <p:nvPr>
+            <p:ph type="title"/>
+          </p:nvPr>
+        </p:nvSpPr>
+        <p:spPr/>
+        <p:txBody>
+          <a:bodyPr/>
+          <a:lstStyle/>
+          <a:p>
+            <a:endParaRPr lang="de-DE" dirty="0"/>
+          </a:p>
+        </p:txBody>
+      </p:sp>
+      <p:sp>
+        <p:nvSpPr>
+          <p:cNvPr id="3" name="Inhaltsplatzhalter 2"/>
+          <p:cNvSpPr>
+            <a:spLocks noGrp="1"/>
+          </p:cNvSpPr>
+          <p:nvPr>
+            <p:ph idx="1"/>
+          </p:nvPr>
+        </p:nvSpPr>
+        <p:spPr/>
+        <p:txBody>
+          <a:bodyPr/>
+          <a:lstStyle/>
+          <a:p>
+            <a:r>
+              <a:rPr lang="de-DE" dirty="0" smtClean="0"/>
+              <a:t>Vielen Dank für Ihre Aufmerksamkeit!</a:t>
+            </a:r>
+            <a:endParaRPr lang="de-DE" dirty="0"/>
+          </a:p>
+        </p:txBody>
+      </p:sp>
+      <p:sp>
+        <p:nvSpPr>
+          <p:cNvPr id="4" name="Fußzeilenplatzhalter 3"/>
+          <p:cNvSpPr>
+            <a:spLocks noGrp="1"/>
+          </p:cNvSpPr>
+          <p:nvPr>
+            <p:ph type="ftr" sz="quarter" idx="10"/>
+          </p:nvPr>
+        </p:nvSpPr>
+        <p:spPr/>
+        <p:txBody>
+          <a:bodyPr/>
+          <a:lstStyle/>
+          <a:p>
+            <a:pPr>
+              <a:defRPr/>
+            </a:pPr>
+            <a:r>
+              <a:rPr lang="de-DE" dirty="0" err="1"/>
+              <a:t>NoSQL</a:t>
+            </a:r>
+            <a:r>
+              <a:rPr lang="de-DE" dirty="0"/>
+              <a:t> – Team17</a:t>
+            </a:r>
+            <a:endParaRPr lang="de-DE" dirty="0"/>
+          </a:p>
+        </p:txBody>
+      </p:sp>
+      <p:sp>
+        <p:nvSpPr>
+          <p:cNvPr id="5" name="Datumsplatzhalter 4"/>
+          <p:cNvSpPr>
+            <a:spLocks noGrp="1"/>
+          </p:cNvSpPr>
+          <p:nvPr>
+            <p:ph type="dt" sz="half" idx="11"/>
+          </p:nvPr>
+        </p:nvSpPr>
+        <p:spPr/>
+        <p:txBody>
+          <a:bodyPr/>
+          <a:lstStyle/>
+          <a:p>
+            <a:pPr>
+              <a:defRPr/>
+            </a:pPr>
+            <a:r>
+              <a:rPr lang="de-DE" smtClean="0"/>
+              <a:t>       </a:t>
+            </a:r>
+            <a:fld id="{1CD3B58C-BEDB-4300-974C-5C43B6FD2B67}" type="slidenum">
+              <a:rPr lang="de-DE" smtClean="0"/>
+              <a:pPr>
+                <a:defRPr/>
+              </a:pPr>
+              <a:t>6</a:t>
+            </a:fld>
+            <a:endParaRPr lang="de-DE"/>
+          </a:p>
+        </p:txBody>
+      </p:sp>
+    </p:spTree>
+    <p:extLst>
+      <p:ext uri="{BB962C8B-B14F-4D97-AF65-F5344CB8AC3E}">
+        <p14:creationId xmlns:p14="http://schemas.microsoft.com/office/powerpoint/2010/main" val="658313912"/>
       </p:ext>
     </p:extLst>
   </p:cSld>

--- a/Präsentation.pptx
+++ b/Präsentation.pptx
@@ -2990,43 +2990,28 @@
           <a:bodyPr/>
           <a:lstStyle/>
           <a:p>
-            <a:pPr marL="342900" indent="-342900">
-              <a:buAutoNum type="arabicPeriod"/>
-            </a:pPr>
-            <a:r>
-              <a:rPr lang="de-DE" dirty="0" smtClean="0"/>
-              <a:t>Upload</a:t>
-            </a:r>
-          </a:p>
-          <a:p>
-            <a:pPr marL="342900" indent="-342900">
-              <a:buAutoNum type="arabicPeriod"/>
-            </a:pPr>
+            <a:pPr algn="ctr"/>
             <a:endParaRPr lang="de-DE" dirty="0" smtClean="0"/>
           </a:p>
           <a:p>
-            <a:pPr marL="342900" indent="-342900">
-              <a:buAutoNum type="arabicPeriod"/>
-            </a:pPr>
-            <a:r>
-              <a:rPr lang="de-DE" dirty="0" smtClean="0"/>
-              <a:t>Suche</a:t>
-            </a:r>
-          </a:p>
-          <a:p>
-            <a:pPr marL="342900" indent="-342900">
-              <a:buAutoNum type="arabicPeriod"/>
-            </a:pPr>
+            <a:pPr algn="ctr"/>
+            <a:endParaRPr lang="de-DE" dirty="0"/>
+          </a:p>
+          <a:p>
+            <a:pPr algn="ctr"/>
             <a:endParaRPr lang="de-DE" dirty="0" smtClean="0"/>
           </a:p>
           <a:p>
-            <a:pPr marL="342900" indent="-342900">
-              <a:buAutoNum type="arabicPeriod"/>
-            </a:pPr>
-            <a:r>
-              <a:rPr lang="de-DE" dirty="0" smtClean="0"/>
-              <a:t>Code</a:t>
-            </a:r>
+            <a:pPr algn="ctr"/>
+            <a:endParaRPr lang="de-DE" dirty="0"/>
+          </a:p>
+          <a:p>
+            <a:pPr algn="ctr"/>
+            <a:r>
+              <a:rPr lang="de-DE" sz="4400" b="1" dirty="0" smtClean="0"/>
+              <a:t>DEMO</a:t>
+            </a:r>
+            <a:endParaRPr lang="de-DE" sz="4400" b="1" dirty="0" smtClean="0"/>
           </a:p>
         </p:txBody>
       </p:sp>
